--- a/清早有歡呼.pptx
+++ b/清早有歡呼.pptx
@@ -112,6 +112,11 @@
       </a:defRPr>
     </a:lvl9pPr>
   </p:defaultTextStyle>
+  <p:extLst>
+    <p:ext uri="{EFAFB233-063F-42B5-8137-9DF3F51BA10A}">
+      <p15:sldGuideLst xmlns:p15="http://schemas.microsoft.com/office/powerpoint/2012/main"/>
+    </p:ext>
+  </p:extLst>
 </p:presentation>
 </file>
 
@@ -296,7 +301,7 @@
           <a:p>
             <a:fld id="{0353E5EA-BCFD-498B-92A5-68B82C76C535}" type="datetimeFigureOut">
               <a:rPr lang="vi-VN" smtClean="0"/>
-              <a:t>03/09/2022</a:t>
+              <a:t>07/09/2022</a:t>
             </a:fld>
             <a:endParaRPr lang="vi-VN"/>
           </a:p>
@@ -466,7 +471,7 @@
           <a:p>
             <a:fld id="{0353E5EA-BCFD-498B-92A5-68B82C76C535}" type="datetimeFigureOut">
               <a:rPr lang="vi-VN" smtClean="0"/>
-              <a:t>03/09/2022</a:t>
+              <a:t>07/09/2022</a:t>
             </a:fld>
             <a:endParaRPr lang="vi-VN"/>
           </a:p>
@@ -646,7 +651,7 @@
           <a:p>
             <a:fld id="{0353E5EA-BCFD-498B-92A5-68B82C76C535}" type="datetimeFigureOut">
               <a:rPr lang="vi-VN" smtClean="0"/>
-              <a:t>03/09/2022</a:t>
+              <a:t>07/09/2022</a:t>
             </a:fld>
             <a:endParaRPr lang="vi-VN"/>
           </a:p>
@@ -816,7 +821,7 @@
           <a:p>
             <a:fld id="{0353E5EA-BCFD-498B-92A5-68B82C76C535}" type="datetimeFigureOut">
               <a:rPr lang="vi-VN" smtClean="0"/>
-              <a:t>03/09/2022</a:t>
+              <a:t>07/09/2022</a:t>
             </a:fld>
             <a:endParaRPr lang="vi-VN"/>
           </a:p>
@@ -1062,7 +1067,7 @@
           <a:p>
             <a:fld id="{0353E5EA-BCFD-498B-92A5-68B82C76C535}" type="datetimeFigureOut">
               <a:rPr lang="vi-VN" smtClean="0"/>
-              <a:t>03/09/2022</a:t>
+              <a:t>07/09/2022</a:t>
             </a:fld>
             <a:endParaRPr lang="vi-VN"/>
           </a:p>
@@ -1350,7 +1355,7 @@
           <a:p>
             <a:fld id="{0353E5EA-BCFD-498B-92A5-68B82C76C535}" type="datetimeFigureOut">
               <a:rPr lang="vi-VN" smtClean="0"/>
-              <a:t>03/09/2022</a:t>
+              <a:t>07/09/2022</a:t>
             </a:fld>
             <a:endParaRPr lang="vi-VN"/>
           </a:p>
@@ -1772,7 +1777,7 @@
           <a:p>
             <a:fld id="{0353E5EA-BCFD-498B-92A5-68B82C76C535}" type="datetimeFigureOut">
               <a:rPr lang="vi-VN" smtClean="0"/>
-              <a:t>03/09/2022</a:t>
+              <a:t>07/09/2022</a:t>
             </a:fld>
             <a:endParaRPr lang="vi-VN"/>
           </a:p>
@@ -1890,7 +1895,7 @@
           <a:p>
             <a:fld id="{0353E5EA-BCFD-498B-92A5-68B82C76C535}" type="datetimeFigureOut">
               <a:rPr lang="vi-VN" smtClean="0"/>
-              <a:t>03/09/2022</a:t>
+              <a:t>07/09/2022</a:t>
             </a:fld>
             <a:endParaRPr lang="vi-VN"/>
           </a:p>
@@ -1985,7 +1990,7 @@
           <a:p>
             <a:fld id="{0353E5EA-BCFD-498B-92A5-68B82C76C535}" type="datetimeFigureOut">
               <a:rPr lang="vi-VN" smtClean="0"/>
-              <a:t>03/09/2022</a:t>
+              <a:t>07/09/2022</a:t>
             </a:fld>
             <a:endParaRPr lang="vi-VN"/>
           </a:p>
@@ -2262,7 +2267,7 @@
           <a:p>
             <a:fld id="{0353E5EA-BCFD-498B-92A5-68B82C76C535}" type="datetimeFigureOut">
               <a:rPr lang="vi-VN" smtClean="0"/>
-              <a:t>03/09/2022</a:t>
+              <a:t>07/09/2022</a:t>
             </a:fld>
             <a:endParaRPr lang="vi-VN"/>
           </a:p>
@@ -2519,7 +2524,7 @@
           <a:p>
             <a:fld id="{0353E5EA-BCFD-498B-92A5-68B82C76C535}" type="datetimeFigureOut">
               <a:rPr lang="vi-VN" smtClean="0"/>
-              <a:t>03/09/2022</a:t>
+              <a:t>07/09/2022</a:t>
             </a:fld>
             <a:endParaRPr lang="vi-VN"/>
           </a:p>
@@ -2737,7 +2742,7 @@
           <a:p>
             <a:fld id="{0353E5EA-BCFD-498B-92A5-68B82C76C535}" type="datetimeFigureOut">
               <a:rPr lang="vi-VN" smtClean="0"/>
-              <a:t>03/09/2022</a:t>
+              <a:t>07/09/2022</a:t>
             </a:fld>
             <a:endParaRPr lang="vi-VN"/>
           </a:p>
@@ -3278,17 +3283,7 @@
                 <a:latin typeface="微軟正黑體" pitchFamily="34" charset="-120"/>
                 <a:ea typeface="微軟正黑體" pitchFamily="34" charset="-120"/>
               </a:rPr>
-              <a:t>亦是神</a:t>
-            </a:r>
-            <a:r>
-              <a:rPr lang="zh-TW" altLang="en-US" sz="6400" b="1" dirty="0">
-                <a:solidFill>
-                  <a:srgbClr val="660033"/>
-                </a:solidFill>
-                <a:latin typeface="微軟正黑體" pitchFamily="34" charset="-120"/>
-                <a:ea typeface="微軟正黑體" pitchFamily="34" charset="-120"/>
-              </a:rPr>
-              <a:t>造</a:t>
+              <a:t>亦是神造</a:t>
             </a:r>
             <a:endParaRPr lang="en-US" altLang="zh-TW" sz="6400" b="1" dirty="0">
               <a:solidFill>
@@ -3310,17 +3305,7 @@
                 <a:latin typeface="微軟正黑體" pitchFamily="34" charset="-120"/>
                 <a:ea typeface="微軟正黑體" pitchFamily="34" charset="-120"/>
               </a:rPr>
-              <a:t>鷄</a:t>
-            </a:r>
-            <a:r>
-              <a:rPr lang="zh-TW" altLang="en-US" sz="6400" b="1" dirty="0">
-                <a:solidFill>
-                  <a:srgbClr val="660033"/>
-                </a:solidFill>
-                <a:latin typeface="微軟正黑體" pitchFamily="34" charset="-120"/>
-                <a:ea typeface="微軟正黑體" pitchFamily="34" charset="-120"/>
-              </a:rPr>
-              <a:t>蛋與雞 </a:t>
+              <a:t>鷄蛋與雞 </a:t>
             </a:r>
             <a:r>
               <a:rPr lang="zh-TW" altLang="en-US" sz="6400" b="1" dirty="0" smtClean="0">
@@ -3497,37 +3482,7 @@
                 <a:latin typeface="微軟正黑體" pitchFamily="34" charset="-120"/>
                 <a:ea typeface="微軟正黑體" pitchFamily="34" charset="-120"/>
               </a:rPr>
-              <a:t>我等不過塵土 </a:t>
-            </a:r>
-            <a:r>
-              <a:rPr lang="zh-TW" altLang="en-US" sz="6400" b="1" dirty="0">
-                <a:solidFill>
-                  <a:srgbClr val="660033"/>
-                </a:solidFill>
-                <a:latin typeface="微軟正黑體" pitchFamily="34" charset="-120"/>
-                <a:ea typeface="微軟正黑體" pitchFamily="34" charset="-120"/>
-              </a:rPr>
-              <a:t> 要</a:t>
-            </a:r>
-            <a:r>
-              <a:rPr lang="zh-TW" altLang="en-US" sz="6400" b="1" dirty="0">
-                <a:solidFill>
-                  <a:srgbClr val="660033"/>
-                </a:solidFill>
-                <a:latin typeface="微軟正黑體" pitchFamily="34" charset="-120"/>
-                <a:ea typeface="微軟正黑體" pitchFamily="34" charset="-120"/>
-              </a:rPr>
-              <a:t>回歸神懷</a:t>
-            </a:r>
-            <a:r>
-              <a:rPr lang="zh-TW" altLang="en-US" sz="6400" b="1" dirty="0">
-                <a:solidFill>
-                  <a:srgbClr val="660033"/>
-                </a:solidFill>
-                <a:latin typeface="微軟正黑體" pitchFamily="34" charset="-120"/>
-                <a:ea typeface="微軟正黑體" pitchFamily="34" charset="-120"/>
-              </a:rPr>
-              <a:t>抱</a:t>
+              <a:t>我等不過塵土  要回歸神懷抱</a:t>
             </a:r>
             <a:endParaRPr lang="en-US" altLang="zh-TW" sz="6400" b="1" dirty="0">
               <a:solidFill>
@@ -3549,17 +3504,7 @@
                 <a:latin typeface="微軟正黑體" pitchFamily="34" charset="-120"/>
                 <a:ea typeface="微軟正黑體" pitchFamily="34" charset="-120"/>
               </a:rPr>
-              <a:t>榮</a:t>
-            </a:r>
-            <a:r>
-              <a:rPr lang="zh-TW" altLang="en-US" sz="6400" b="1" dirty="0">
-                <a:solidFill>
-                  <a:srgbClr val="660033"/>
-                </a:solidFill>
-                <a:latin typeface="微軟正黑體" pitchFamily="34" charset="-120"/>
-                <a:ea typeface="微軟正黑體" pitchFamily="34" charset="-120"/>
-              </a:rPr>
-              <a:t>耀救主福音經宣告</a:t>
+              <a:t>榮耀救主福音經宣告</a:t>
             </a:r>
             <a:endParaRPr lang="en-US" altLang="zh-TW" sz="6400" b="1" dirty="0">
               <a:solidFill>
@@ -3716,37 +3661,7 @@
                 <a:latin typeface="微軟正黑體" pitchFamily="34" charset="-120"/>
                 <a:ea typeface="微軟正黑體" pitchFamily="34" charset="-120"/>
               </a:rPr>
-              <a:t>愛今在流</a:t>
-            </a:r>
-            <a:r>
-              <a:rPr lang="zh-TW" altLang="en-US" sz="6400" b="1" dirty="0">
-                <a:solidFill>
-                  <a:srgbClr val="660033"/>
-                </a:solidFill>
-                <a:latin typeface="微軟正黑體" pitchFamily="34" charset="-120"/>
-                <a:ea typeface="微軟正黑體" pitchFamily="34" charset="-120"/>
-              </a:rPr>
-              <a:t>露  </a:t>
-            </a:r>
-            <a:r>
-              <a:rPr lang="zh-TW" altLang="en-US" sz="6400" b="1" dirty="0">
-                <a:solidFill>
-                  <a:srgbClr val="660033"/>
-                </a:solidFill>
-                <a:latin typeface="微軟正黑體" pitchFamily="34" charset="-120"/>
-                <a:ea typeface="微軟正黑體" pitchFamily="34" charset="-120"/>
-              </a:rPr>
-              <a:t>神伴我踏前</a:t>
-            </a:r>
-            <a:r>
-              <a:rPr lang="zh-TW" altLang="en-US" sz="6400" b="1" dirty="0">
-                <a:solidFill>
-                  <a:srgbClr val="660033"/>
-                </a:solidFill>
-                <a:latin typeface="微軟正黑體" pitchFamily="34" charset="-120"/>
-                <a:ea typeface="微軟正黑體" pitchFamily="34" charset="-120"/>
-              </a:rPr>
-              <a:t>路</a:t>
+              <a:t>愛今在流露  神伴我踏前路</a:t>
             </a:r>
             <a:endParaRPr lang="en-US" altLang="zh-TW" sz="6400" b="1" dirty="0">
               <a:solidFill>
@@ -3768,37 +3683,7 @@
                 <a:latin typeface="微軟正黑體" pitchFamily="34" charset="-120"/>
                 <a:ea typeface="微軟正黑體" pitchFamily="34" charset="-120"/>
               </a:rPr>
-              <a:t>哭</a:t>
-            </a:r>
-            <a:r>
-              <a:rPr lang="zh-TW" altLang="en-US" sz="6400" b="1" dirty="0">
-                <a:solidFill>
-                  <a:srgbClr val="660033"/>
-                </a:solidFill>
-                <a:latin typeface="微軟正黑體" pitchFamily="34" charset="-120"/>
-                <a:ea typeface="微軟正黑體" pitchFamily="34" charset="-120"/>
-              </a:rPr>
-              <a:t>泣縦使一晚 </a:t>
-            </a:r>
-            <a:r>
-              <a:rPr lang="zh-TW" altLang="en-US" sz="6400" b="1" dirty="0">
-                <a:solidFill>
-                  <a:srgbClr val="660033"/>
-                </a:solidFill>
-                <a:latin typeface="微軟正黑體" pitchFamily="34" charset="-120"/>
-                <a:ea typeface="微軟正黑體" pitchFamily="34" charset="-120"/>
-              </a:rPr>
-              <a:t> 清</a:t>
-            </a:r>
-            <a:r>
-              <a:rPr lang="zh-TW" altLang="en-US" sz="6400" b="1" dirty="0">
-                <a:solidFill>
-                  <a:srgbClr val="660033"/>
-                </a:solidFill>
-                <a:latin typeface="微軟正黑體" pitchFamily="34" charset="-120"/>
-                <a:ea typeface="微軟正黑體" pitchFamily="34" charset="-120"/>
-              </a:rPr>
-              <a:t>早有歡呼</a:t>
+              <a:t>哭泣縦使一晚  清早有歡呼</a:t>
             </a:r>
             <a:endParaRPr lang="en-US" altLang="zh-TW" sz="6400" b="1" dirty="0">
               <a:solidFill>
@@ -3844,14 +3729,34 @@
               <a:t>( </a:t>
             </a:r>
             <a:r>
-              <a:rPr lang="zh-CN" altLang="en-US" sz="4267" b="1" dirty="0" smtClean="0">
+              <a:rPr lang="zh-CN" altLang="en-US" sz="4267" b="1" dirty="0">
                 <a:solidFill>
                   <a:srgbClr val="660033"/>
                 </a:solidFill>
                 <a:latin typeface="Microsoft JhengHei" panose="020B0604030504040204" pitchFamily="34" charset="-120"/>
                 <a:ea typeface="Microsoft JhengHei" panose="020B0604030504040204" pitchFamily="34" charset="-120"/>
               </a:rPr>
-              <a:t>副</a:t>
+              <a:t>正</a:t>
+            </a:r>
+            <a:r>
+              <a:rPr lang="en-US" altLang="zh-CN" sz="4267" b="1" dirty="0">
+                <a:solidFill>
+                  <a:srgbClr val="660033"/>
+                </a:solidFill>
+                <a:latin typeface="Microsoft JhengHei" panose="020B0604030504040204" pitchFamily="34" charset="-120"/>
+                <a:ea typeface="Microsoft JhengHei" panose="020B0604030504040204" pitchFamily="34" charset="-120"/>
+              </a:rPr>
+              <a:t> </a:t>
+            </a:r>
+            <a:r>
+              <a:rPr lang="en-US" altLang="zh-CN" sz="4267" b="1" dirty="0" smtClean="0">
+                <a:solidFill>
+                  <a:srgbClr val="660033"/>
+                </a:solidFill>
+                <a:latin typeface="Microsoft JhengHei" panose="020B0604030504040204" pitchFamily="34" charset="-120"/>
+                <a:ea typeface="Microsoft JhengHei" panose="020B0604030504040204" pitchFamily="34" charset="-120"/>
+              </a:rPr>
+              <a:t>2</a:t>
             </a:r>
             <a:r>
               <a:rPr lang="en-US" sz="4267" b="1" dirty="0" smtClean="0">
@@ -4033,7 +3938,7 @@
           <a:p>
             <a:pPr algn="ctr"/>
             <a:r>
-              <a:rPr lang="en-US" sz="4267" b="1" dirty="0" smtClean="0">
+              <a:rPr lang="en-US" sz="4267" b="1" dirty="0">
                 <a:solidFill>
                   <a:srgbClr val="660033"/>
                 </a:solidFill>
@@ -4043,17 +3948,27 @@
               <a:t>( </a:t>
             </a:r>
             <a:r>
-              <a:rPr lang="zh-CN" altLang="en-US" sz="4267" b="1" dirty="0" smtClean="0">
+              <a:rPr lang="zh-CN" altLang="en-US" sz="4267" b="1" dirty="0">
                 <a:solidFill>
                   <a:srgbClr val="660033"/>
                 </a:solidFill>
                 <a:latin typeface="Microsoft JhengHei" panose="020B0604030504040204" pitchFamily="34" charset="-120"/>
                 <a:ea typeface="Microsoft JhengHei" panose="020B0604030504040204" pitchFamily="34" charset="-120"/>
               </a:rPr>
-              <a:t>副</a:t>
-            </a:r>
-            <a:r>
-              <a:rPr lang="en-US" sz="4267" b="1" dirty="0" smtClean="0">
+              <a:t>正</a:t>
+            </a:r>
+            <a:r>
+              <a:rPr lang="en-US" altLang="zh-CN" sz="4267" b="1" dirty="0">
+                <a:solidFill>
+                  <a:srgbClr val="660033"/>
+                </a:solidFill>
+                <a:latin typeface="Microsoft JhengHei" panose="020B0604030504040204" pitchFamily="34" charset="-120"/>
+                <a:ea typeface="Microsoft JhengHei" panose="020B0604030504040204" pitchFamily="34" charset="-120"/>
+              </a:rPr>
+              <a:t> 2</a:t>
+            </a:r>
+            <a:r>
+              <a:rPr lang="en-US" sz="4267" b="1" dirty="0">
                 <a:solidFill>
                   <a:srgbClr val="660033"/>
                 </a:solidFill>
@@ -4180,7 +4095,7 @@
           <a:p>
             <a:pPr algn="ctr"/>
             <a:r>
-              <a:rPr lang="en-US" sz="4267" b="1" dirty="0" smtClean="0">
+              <a:rPr lang="en-US" sz="4267" b="1" dirty="0">
                 <a:solidFill>
                   <a:srgbClr val="660033"/>
                 </a:solidFill>
@@ -4190,17 +4105,27 @@
               <a:t>( </a:t>
             </a:r>
             <a:r>
-              <a:rPr lang="zh-CN" altLang="en-US" sz="4267" b="1" dirty="0" smtClean="0">
+              <a:rPr lang="zh-CN" altLang="en-US" sz="4267" b="1" dirty="0">
                 <a:solidFill>
                   <a:srgbClr val="660033"/>
                 </a:solidFill>
                 <a:latin typeface="Microsoft JhengHei" panose="020B0604030504040204" pitchFamily="34" charset="-120"/>
                 <a:ea typeface="Microsoft JhengHei" panose="020B0604030504040204" pitchFamily="34" charset="-120"/>
               </a:rPr>
-              <a:t>副</a:t>
-            </a:r>
-            <a:r>
-              <a:rPr lang="en-US" sz="4267" b="1" dirty="0" smtClean="0">
+              <a:t>正</a:t>
+            </a:r>
+            <a:r>
+              <a:rPr lang="en-US" altLang="zh-CN" sz="4267" b="1" dirty="0">
+                <a:solidFill>
+                  <a:srgbClr val="660033"/>
+                </a:solidFill>
+                <a:latin typeface="Microsoft JhengHei" panose="020B0604030504040204" pitchFamily="34" charset="-120"/>
+                <a:ea typeface="Microsoft JhengHei" panose="020B0604030504040204" pitchFamily="34" charset="-120"/>
+              </a:rPr>
+              <a:t> 2</a:t>
+            </a:r>
+            <a:r>
+              <a:rPr lang="en-US" sz="4267" b="1" dirty="0">
                 <a:solidFill>
                   <a:srgbClr val="660033"/>
                 </a:solidFill>
@@ -4281,37 +4206,7 @@
                 <a:latin typeface="微軟正黑體" pitchFamily="34" charset="-120"/>
                 <a:ea typeface="微軟正黑體" pitchFamily="34" charset="-120"/>
               </a:rPr>
-              <a:t>與主共歩 </a:t>
-            </a:r>
-            <a:r>
-              <a:rPr lang="zh-TW" altLang="en-US" sz="6400" b="1" dirty="0">
-                <a:solidFill>
-                  <a:srgbClr val="660033"/>
-                </a:solidFill>
-                <a:latin typeface="微軟正黑體" pitchFamily="34" charset="-120"/>
-                <a:ea typeface="微軟正黑體" pitchFamily="34" charset="-120"/>
-              </a:rPr>
-              <a:t> 同</a:t>
-            </a:r>
-            <a:r>
-              <a:rPr lang="zh-TW" altLang="en-US" sz="6400" b="1" dirty="0">
-                <a:solidFill>
-                  <a:srgbClr val="660033"/>
-                </a:solidFill>
-                <a:latin typeface="微軟正黑體" pitchFamily="34" charset="-120"/>
-                <a:ea typeface="微軟正黑體" pitchFamily="34" charset="-120"/>
-              </a:rPr>
-              <a:t>渡漫漫長</a:t>
-            </a:r>
-            <a:r>
-              <a:rPr lang="zh-TW" altLang="en-US" sz="6400" b="1" dirty="0">
-                <a:solidFill>
-                  <a:srgbClr val="660033"/>
-                </a:solidFill>
-                <a:latin typeface="微軟正黑體" pitchFamily="34" charset="-120"/>
-                <a:ea typeface="微軟正黑體" pitchFamily="34" charset="-120"/>
-              </a:rPr>
-              <a:t>路</a:t>
+              <a:t>與主共歩  同渡漫漫長路</a:t>
             </a:r>
             <a:endParaRPr lang="en-US" altLang="zh-TW" sz="6400" b="1" dirty="0">
               <a:solidFill>
@@ -4333,37 +4228,7 @@
                 <a:latin typeface="微軟正黑體" pitchFamily="34" charset="-120"/>
                 <a:ea typeface="微軟正黑體" pitchFamily="34" charset="-120"/>
               </a:rPr>
-              <a:t>哭</a:t>
-            </a:r>
-            <a:r>
-              <a:rPr lang="zh-TW" altLang="en-US" sz="6400" b="1" dirty="0">
-                <a:solidFill>
-                  <a:srgbClr val="660033"/>
-                </a:solidFill>
-                <a:latin typeface="微軟正黑體" pitchFamily="34" charset="-120"/>
-                <a:ea typeface="微軟正黑體" pitchFamily="34" charset="-120"/>
-              </a:rPr>
-              <a:t>泣縦使一晚 </a:t>
-            </a:r>
-            <a:r>
-              <a:rPr lang="zh-TW" altLang="en-US" sz="6400" b="1" dirty="0">
-                <a:solidFill>
-                  <a:srgbClr val="660033"/>
-                </a:solidFill>
-                <a:latin typeface="微軟正黑體" pitchFamily="34" charset="-120"/>
-                <a:ea typeface="微軟正黑體" pitchFamily="34" charset="-120"/>
-              </a:rPr>
-              <a:t> 清</a:t>
-            </a:r>
-            <a:r>
-              <a:rPr lang="zh-TW" altLang="en-US" sz="6400" b="1" dirty="0">
-                <a:solidFill>
-                  <a:srgbClr val="660033"/>
-                </a:solidFill>
-                <a:latin typeface="微軟正黑體" pitchFamily="34" charset="-120"/>
-                <a:ea typeface="微軟正黑體" pitchFamily="34" charset="-120"/>
-              </a:rPr>
-              <a:t>早有歡呼</a:t>
+              <a:t>哭泣縦使一晚  清早有歡呼</a:t>
             </a:r>
             <a:endParaRPr lang="en-US" altLang="zh-TW" sz="6400" b="1" dirty="0">
               <a:solidFill>
@@ -4426,7 +4291,17 @@
                 <a:latin typeface="Microsoft JhengHei" panose="020B0604030504040204" pitchFamily="34" charset="-120"/>
                 <a:ea typeface="Microsoft JhengHei" panose="020B0604030504040204" pitchFamily="34" charset="-120"/>
               </a:rPr>
-              <a:t> 2</a:t>
+              <a:t> </a:t>
+            </a:r>
+            <a:r>
+              <a:rPr lang="en-US" altLang="zh-CN" sz="4267" b="1" dirty="0" smtClean="0">
+                <a:solidFill>
+                  <a:srgbClr val="660033"/>
+                </a:solidFill>
+                <a:latin typeface="Microsoft JhengHei" panose="020B0604030504040204" pitchFamily="34" charset="-120"/>
+                <a:ea typeface="Microsoft JhengHei" panose="020B0604030504040204" pitchFamily="34" charset="-120"/>
+              </a:rPr>
+              <a:t>3</a:t>
             </a:r>
             <a:r>
               <a:rPr lang="en-US" sz="4267" b="1" dirty="0" smtClean="0">
@@ -4520,37 +4395,7 @@
                 <a:latin typeface="微軟正黑體" pitchFamily="34" charset="-120"/>
                 <a:ea typeface="微軟正黑體" pitchFamily="34" charset="-120"/>
               </a:rPr>
-              <a:t>我等不過塵</a:t>
-            </a:r>
-            <a:r>
-              <a:rPr lang="zh-TW" altLang="en-US" sz="6400" b="1" dirty="0">
-                <a:solidFill>
-                  <a:srgbClr val="660033"/>
-                </a:solidFill>
-                <a:latin typeface="微軟正黑體" pitchFamily="34" charset="-120"/>
-                <a:ea typeface="微軟正黑體" pitchFamily="34" charset="-120"/>
-              </a:rPr>
-              <a:t>土  </a:t>
-            </a:r>
-            <a:r>
-              <a:rPr lang="zh-TW" altLang="en-US" sz="6400" b="1" dirty="0">
-                <a:solidFill>
-                  <a:srgbClr val="660033"/>
-                </a:solidFill>
-                <a:latin typeface="微軟正黑體" pitchFamily="34" charset="-120"/>
-                <a:ea typeface="微軟正黑體" pitchFamily="34" charset="-120"/>
-              </a:rPr>
-              <a:t>要回歸神懷</a:t>
-            </a:r>
-            <a:r>
-              <a:rPr lang="zh-TW" altLang="en-US" sz="6400" b="1" dirty="0">
-                <a:solidFill>
-                  <a:srgbClr val="660033"/>
-                </a:solidFill>
-                <a:latin typeface="微軟正黑體" pitchFamily="34" charset="-120"/>
-                <a:ea typeface="微軟正黑體" pitchFamily="34" charset="-120"/>
-              </a:rPr>
-              <a:t>抱</a:t>
+              <a:t>我等不過塵土  要回歸神懷抱</a:t>
             </a:r>
             <a:endParaRPr lang="en-US" altLang="zh-TW" sz="6400" b="1" dirty="0">
               <a:solidFill>
@@ -4572,17 +4417,7 @@
                 <a:latin typeface="微軟正黑體" pitchFamily="34" charset="-120"/>
                 <a:ea typeface="微軟正黑體" pitchFamily="34" charset="-120"/>
               </a:rPr>
-              <a:t>沿</a:t>
-            </a:r>
-            <a:r>
-              <a:rPr lang="zh-TW" altLang="en-US" sz="6400" b="1" dirty="0">
-                <a:solidFill>
-                  <a:srgbClr val="660033"/>
-                </a:solidFill>
-                <a:latin typeface="微軟正黑體" pitchFamily="34" charset="-120"/>
-                <a:ea typeface="微軟正黑體" pitchFamily="34" charset="-120"/>
-              </a:rPr>
-              <a:t>路有主心聲輕輕吐</a:t>
+              <a:t>沿路有主心聲輕輕吐</a:t>
             </a:r>
             <a:endParaRPr lang="en-US" altLang="zh-TW" sz="6400" b="1" dirty="0">
               <a:solidFill>
@@ -4628,7 +4463,7 @@
               <a:t>( </a:t>
             </a:r>
             <a:r>
-              <a:rPr lang="zh-CN" altLang="en-US" sz="4267" b="1" dirty="0" smtClean="0">
+              <a:rPr lang="zh-CN" altLang="en-US" sz="4267" b="1" dirty="0">
                 <a:solidFill>
                   <a:srgbClr val="660033"/>
                 </a:solidFill>
@@ -4638,34 +4473,24 @@
               <a:t>正</a:t>
             </a:r>
             <a:r>
-              <a:rPr lang="en-US" altLang="zh-CN" sz="4267" b="1" dirty="0" smtClean="0">
+              <a:rPr lang="en-US" altLang="zh-CN" sz="4267" b="1" dirty="0">
                 <a:solidFill>
                   <a:srgbClr val="660033"/>
                 </a:solidFill>
                 <a:latin typeface="Microsoft JhengHei" panose="020B0604030504040204" pitchFamily="34" charset="-120"/>
                 <a:ea typeface="Microsoft JhengHei" panose="020B0604030504040204" pitchFamily="34" charset="-120"/>
               </a:rPr>
-              <a:t> 2</a:t>
-            </a:r>
-            <a:r>
-              <a:rPr lang="en-US" sz="4267" b="1" dirty="0" smtClean="0">
+              <a:t> 3</a:t>
+            </a:r>
+            <a:r>
+              <a:rPr lang="en-US" sz="4267" b="1" dirty="0">
                 <a:solidFill>
                   <a:srgbClr val="660033"/>
                 </a:solidFill>
                 <a:latin typeface="Microsoft JhengHei" panose="020B0604030504040204" pitchFamily="34" charset="-120"/>
                 <a:ea typeface="Microsoft JhengHei" panose="020B0604030504040204" pitchFamily="34" charset="-120"/>
               </a:rPr>
-              <a:t> </a:t>
-            </a:r>
-            <a:r>
-              <a:rPr lang="en-US" sz="4267" b="1" dirty="0">
-                <a:solidFill>
-                  <a:srgbClr val="660033"/>
-                </a:solidFill>
-                <a:latin typeface="Microsoft JhengHei" panose="020B0604030504040204" pitchFamily="34" charset="-120"/>
-                <a:ea typeface="Microsoft JhengHei" panose="020B0604030504040204" pitchFamily="34" charset="-120"/>
-              </a:rPr>
-              <a:t>)</a:t>
+              <a:t> )</a:t>
             </a:r>
             <a:endParaRPr lang="vi-VN" sz="4267" b="1" dirty="0">
               <a:solidFill>
@@ -4739,57 +4564,7 @@
                 <a:latin typeface="微軟正黑體" pitchFamily="34" charset="-120"/>
                 <a:ea typeface="微軟正黑體" pitchFamily="34" charset="-120"/>
               </a:rPr>
-              <a:t>哈利路</a:t>
-            </a:r>
-            <a:r>
-              <a:rPr lang="zh-TW" altLang="en-US" sz="6400" b="1" dirty="0">
-                <a:solidFill>
-                  <a:srgbClr val="660033"/>
-                </a:solidFill>
-                <a:latin typeface="微軟正黑體" pitchFamily="34" charset="-120"/>
-                <a:ea typeface="微軟正黑體" pitchFamily="34" charset="-120"/>
-              </a:rPr>
-              <a:t>亞  </a:t>
-            </a:r>
-            <a:r>
-              <a:rPr lang="zh-TW" altLang="en-US" sz="6400" b="1" dirty="0">
-                <a:solidFill>
-                  <a:srgbClr val="660033"/>
-                </a:solidFill>
-                <a:latin typeface="微軟正黑體" pitchFamily="34" charset="-120"/>
-                <a:ea typeface="微軟正黑體" pitchFamily="34" charset="-120"/>
-              </a:rPr>
-              <a:t>哈利路亞 </a:t>
-            </a:r>
-            <a:r>
-              <a:rPr lang="zh-TW" altLang="en-US" sz="6400" b="1" dirty="0">
-                <a:solidFill>
-                  <a:srgbClr val="660033"/>
-                </a:solidFill>
-                <a:latin typeface="微軟正黑體" pitchFamily="34" charset="-120"/>
-                <a:ea typeface="微軟正黑體" pitchFamily="34" charset="-120"/>
-              </a:rPr>
-              <a:t> 哈</a:t>
-            </a:r>
-            <a:r>
-              <a:rPr lang="zh-TW" altLang="en-US" sz="6400" b="1" dirty="0">
-                <a:solidFill>
-                  <a:srgbClr val="660033"/>
-                </a:solidFill>
-                <a:latin typeface="微軟正黑體" pitchFamily="34" charset="-120"/>
-                <a:ea typeface="微軟正黑體" pitchFamily="34" charset="-120"/>
-              </a:rPr>
-              <a:t>利路</a:t>
-            </a:r>
-            <a:r>
-              <a:rPr lang="zh-TW" altLang="en-US" sz="6400" b="1" dirty="0">
-                <a:solidFill>
-                  <a:srgbClr val="660033"/>
-                </a:solidFill>
-                <a:latin typeface="微軟正黑體" pitchFamily="34" charset="-120"/>
-                <a:ea typeface="微軟正黑體" pitchFamily="34" charset="-120"/>
-              </a:rPr>
-              <a:t>亞</a:t>
+              <a:t>哈利路亞  哈利路亞  哈利路亞</a:t>
             </a:r>
             <a:endParaRPr lang="en-US" altLang="zh-TW" sz="6400" b="1" dirty="0">
               <a:solidFill>
@@ -4811,37 +4586,7 @@
                 <a:latin typeface="微軟正黑體" pitchFamily="34" charset="-120"/>
                 <a:ea typeface="微軟正黑體" pitchFamily="34" charset="-120"/>
               </a:rPr>
-              <a:t>哈</a:t>
-            </a:r>
-            <a:r>
-              <a:rPr lang="zh-TW" altLang="en-US" sz="6400" b="1" dirty="0">
-                <a:solidFill>
-                  <a:srgbClr val="660033"/>
-                </a:solidFill>
-                <a:latin typeface="微軟正黑體" pitchFamily="34" charset="-120"/>
-                <a:ea typeface="微軟正黑體" pitchFamily="34" charset="-120"/>
-              </a:rPr>
-              <a:t>利路亞 </a:t>
-            </a:r>
-            <a:r>
-              <a:rPr lang="zh-TW" altLang="en-US" sz="6400" b="1" dirty="0">
-                <a:solidFill>
-                  <a:srgbClr val="660033"/>
-                </a:solidFill>
-                <a:latin typeface="微軟正黑體" pitchFamily="34" charset="-120"/>
-                <a:ea typeface="微軟正黑體" pitchFamily="34" charset="-120"/>
-              </a:rPr>
-              <a:t> 哈</a:t>
-            </a:r>
-            <a:r>
-              <a:rPr lang="zh-TW" altLang="en-US" sz="6400" b="1" dirty="0">
-                <a:solidFill>
-                  <a:srgbClr val="660033"/>
-                </a:solidFill>
-                <a:latin typeface="微軟正黑體" pitchFamily="34" charset="-120"/>
-                <a:ea typeface="微軟正黑體" pitchFamily="34" charset="-120"/>
-              </a:rPr>
-              <a:t>利路亞</a:t>
+              <a:t>哈利路亞  哈利路亞</a:t>
             </a:r>
             <a:endParaRPr lang="en-US" altLang="zh-TW" sz="6400" b="1" dirty="0">
               <a:solidFill>
